--- a/img/Poster.pptx
+++ b/img/Poster.pptx
@@ -1412,7 +1412,7 @@
           <a:lstStyle/>
           <a:p>
             <a:pPr defTabSz="2938410"/>
-            <a:endParaRPr lang="en-US" sz="8868">
+            <a:endParaRPr lang="en-US" sz="8868" dirty="0">
               <a:solidFill>
                 <a:schemeClr val="bg1"/>
               </a:solidFill>
@@ -1431,7 +1431,7 @@
         <p:spPr bwMode="auto">
           <a:xfrm>
             <a:off x="5185849" y="164428"/>
-            <a:ext cx="24139730" cy="2378712"/>
+            <a:ext cx="24139730" cy="3805577"/>
           </a:xfrm>
           <a:prstGeom prst="rect">
             <a:avLst/>
@@ -1459,17 +1459,42 @@
           </a:p>
           <a:p>
             <a:r>
-              <a:rPr lang="en-US" altLang="zh-CN" sz="3528" i="1" dirty="0" err="1" smtClean="0"/>
+              <a:rPr lang="en-US" altLang="zh-CN" sz="4000" i="1" dirty="0" err="1" smtClean="0"/>
               <a:t>Authers</a:t>
             </a:r>
-            <a:endParaRPr lang="en-US" altLang="zh-CN" sz="3528" i="1" dirty="0" smtClean="0"/>
+            <a:endParaRPr lang="en-US" altLang="zh-CN" sz="4000" i="1" dirty="0" smtClean="0"/>
           </a:p>
           <a:p>
             <a:r>
-              <a:rPr lang="en-US" sz="3528" i="1" dirty="0"/>
+              <a:rPr lang="en-US" sz="4000" i="1" dirty="0" smtClean="0"/>
               <a:t>Affiliation</a:t>
             </a:r>
-            <a:endParaRPr lang="en-US" sz="3528" dirty="0"/>
+          </a:p>
+          <a:p>
+            <a:endParaRPr lang="en-US" sz="3528" i="1" dirty="0"/>
+          </a:p>
+          <a:p>
+            <a:r>
+              <a:rPr lang="en-US" altLang="zh-CN" sz="4800" b="1" i="1" dirty="0" smtClean="0"/>
+              <a:t>Open source URL</a:t>
+            </a:r>
+            <a:r>
+              <a:rPr lang="zh-CN" altLang="en-US" sz="4800" b="1" i="1" dirty="0" smtClean="0"/>
+              <a:t>：</a:t>
+            </a:r>
+            <a:r>
+              <a:rPr lang="en-US" altLang="zh-CN" sz="4800" b="1" i="1" u="sng" dirty="0" smtClean="0"/>
+              <a:t>Link to </a:t>
+            </a:r>
+            <a:r>
+              <a:rPr lang="en-US" altLang="zh-CN" sz="4800" b="1" i="1" u="sng" dirty="0" smtClean="0"/>
+              <a:t>open </a:t>
+            </a:r>
+            <a:r>
+              <a:rPr lang="en-US" altLang="zh-CN" sz="4800" b="1" i="1" u="sng" dirty="0" smtClean="0"/>
+              <a:t>source solutions</a:t>
+            </a:r>
+            <a:endParaRPr lang="en-US" sz="4800" b="1" u="sng" dirty="0"/>
           </a:p>
         </p:txBody>
       </p:sp>
@@ -1801,11 +1826,7 @@
             </a:pPr>
             <a:r>
               <a:rPr lang="en-US" sz="4400" b="1" dirty="0" smtClean="0"/>
-              <a:t>C. </a:t>
-            </a:r>
-            <a:r>
-              <a:rPr lang="en-US" sz="4400" b="1" dirty="0" smtClean="0"/>
-              <a:t>XXX</a:t>
+              <a:t>C. XXX</a:t>
             </a:r>
             <a:endParaRPr lang="en-US" sz="4400" b="1" dirty="0"/>
           </a:p>
